--- a/pygame.pptx
+++ b/pygame.pptx
@@ -8,6 +8,8 @@
     <p:sldId id="256" r:id="rId2"/>
     <p:sldId id="258" r:id="rId3"/>
     <p:sldId id="257" r:id="rId4"/>
+    <p:sldId id="259" r:id="rId5"/>
+    <p:sldId id="260" r:id="rId6"/>
   </p:sldIdLst>
   <p:sldSz cx="12192000" cy="6858000"/>
   <p:notesSz cx="6858000" cy="9144000"/>
@@ -106,6 +108,11 @@
       </a:defRPr>
     </a:lvl9pPr>
   </p:defaultTextStyle>
+  <p:extLst>
+    <p:ext uri="{EFAFB233-063F-42B5-8137-9DF3F51BA10A}">
+      <p15:sldGuideLst xmlns:p15="http://schemas.microsoft.com/office/powerpoint/2012/main"/>
+    </p:ext>
+  </p:extLst>
 </p:presentation>
 </file>
 
@@ -240,7 +247,7 @@
           <a:p>
             <a:fld id="{87F52DEE-3426-4358-BEFC-355BFC99B695}" type="datetimeFigureOut">
               <a:rPr lang="hu-HU" smtClean="0"/>
-              <a:t>2020.07.17.</a:t>
+              <a:t>2020.07.24.</a:t>
             </a:fld>
             <a:endParaRPr lang="hu-HU"/>
           </a:p>
@@ -410,7 +417,7 @@
           <a:p>
             <a:fld id="{87F52DEE-3426-4358-BEFC-355BFC99B695}" type="datetimeFigureOut">
               <a:rPr lang="hu-HU" smtClean="0"/>
-              <a:t>2020.07.17.</a:t>
+              <a:t>2020.07.24.</a:t>
             </a:fld>
             <a:endParaRPr lang="hu-HU"/>
           </a:p>
@@ -590,7 +597,7 @@
           <a:p>
             <a:fld id="{87F52DEE-3426-4358-BEFC-355BFC99B695}" type="datetimeFigureOut">
               <a:rPr lang="hu-HU" smtClean="0"/>
-              <a:t>2020.07.17.</a:t>
+              <a:t>2020.07.24.</a:t>
             </a:fld>
             <a:endParaRPr lang="hu-HU"/>
           </a:p>
@@ -760,7 +767,7 @@
           <a:p>
             <a:fld id="{87F52DEE-3426-4358-BEFC-355BFC99B695}" type="datetimeFigureOut">
               <a:rPr lang="hu-HU" smtClean="0"/>
-              <a:t>2020.07.17.</a:t>
+              <a:t>2020.07.24.</a:t>
             </a:fld>
             <a:endParaRPr lang="hu-HU"/>
           </a:p>
@@ -1006,7 +1013,7 @@
           <a:p>
             <a:fld id="{87F52DEE-3426-4358-BEFC-355BFC99B695}" type="datetimeFigureOut">
               <a:rPr lang="hu-HU" smtClean="0"/>
-              <a:t>2020.07.17.</a:t>
+              <a:t>2020.07.24.</a:t>
             </a:fld>
             <a:endParaRPr lang="hu-HU"/>
           </a:p>
@@ -1238,7 +1245,7 @@
           <a:p>
             <a:fld id="{87F52DEE-3426-4358-BEFC-355BFC99B695}" type="datetimeFigureOut">
               <a:rPr lang="hu-HU" smtClean="0"/>
-              <a:t>2020.07.17.</a:t>
+              <a:t>2020.07.24.</a:t>
             </a:fld>
             <a:endParaRPr lang="hu-HU"/>
           </a:p>
@@ -1605,7 +1612,7 @@
           <a:p>
             <a:fld id="{87F52DEE-3426-4358-BEFC-355BFC99B695}" type="datetimeFigureOut">
               <a:rPr lang="hu-HU" smtClean="0"/>
-              <a:t>2020.07.17.</a:t>
+              <a:t>2020.07.24.</a:t>
             </a:fld>
             <a:endParaRPr lang="hu-HU"/>
           </a:p>
@@ -1723,7 +1730,7 @@
           <a:p>
             <a:fld id="{87F52DEE-3426-4358-BEFC-355BFC99B695}" type="datetimeFigureOut">
               <a:rPr lang="hu-HU" smtClean="0"/>
-              <a:t>2020.07.17.</a:t>
+              <a:t>2020.07.24.</a:t>
             </a:fld>
             <a:endParaRPr lang="hu-HU"/>
           </a:p>
@@ -1818,7 +1825,7 @@
           <a:p>
             <a:fld id="{87F52DEE-3426-4358-BEFC-355BFC99B695}" type="datetimeFigureOut">
               <a:rPr lang="hu-HU" smtClean="0"/>
-              <a:t>2020.07.17.</a:t>
+              <a:t>2020.07.24.</a:t>
             </a:fld>
             <a:endParaRPr lang="hu-HU"/>
           </a:p>
@@ -2095,7 +2102,7 @@
           <a:p>
             <a:fld id="{87F52DEE-3426-4358-BEFC-355BFC99B695}" type="datetimeFigureOut">
               <a:rPr lang="hu-HU" smtClean="0"/>
-              <a:t>2020.07.17.</a:t>
+              <a:t>2020.07.24.</a:t>
             </a:fld>
             <a:endParaRPr lang="hu-HU"/>
           </a:p>
@@ -2348,7 +2355,7 @@
           <a:p>
             <a:fld id="{87F52DEE-3426-4358-BEFC-355BFC99B695}" type="datetimeFigureOut">
               <a:rPr lang="hu-HU" smtClean="0"/>
-              <a:t>2020.07.17.</a:t>
+              <a:t>2020.07.24.</a:t>
             </a:fld>
             <a:endParaRPr lang="hu-HU"/>
           </a:p>
@@ -2561,7 +2568,7 @@
           <a:p>
             <a:fld id="{87F52DEE-3426-4358-BEFC-355BFC99B695}" type="datetimeFigureOut">
               <a:rPr lang="hu-HU" smtClean="0"/>
-              <a:t>2020.07.17.</a:t>
+              <a:t>2020.07.24.</a:t>
             </a:fld>
             <a:endParaRPr lang="hu-HU"/>
           </a:p>
@@ -3661,6 +3668,2250 @@
 </p:sld>
 </file>
 
+<file path=ppt/slides/slide4.xml><?xml version="1.0" encoding="utf-8"?>
+<p:sld xmlns:a="http://schemas.openxmlformats.org/drawingml/2006/main" xmlns:r="http://schemas.openxmlformats.org/officeDocument/2006/relationships" xmlns:p="http://schemas.openxmlformats.org/presentationml/2006/main">
+  <p:cSld>
+    <p:spTree>
+      <p:nvGrpSpPr>
+        <p:cNvPr id="1" name=""/>
+        <p:cNvGrpSpPr/>
+        <p:nvPr/>
+      </p:nvGrpSpPr>
+      <p:grpSpPr>
+        <a:xfrm>
+          <a:off x="0" y="0"/>
+          <a:ext cx="0" cy="0"/>
+          <a:chOff x="0" y="0"/>
+          <a:chExt cx="0" cy="0"/>
+        </a:xfrm>
+      </p:grpSpPr>
+      <p:sp>
+        <p:nvSpPr>
+          <p:cNvPr id="4" name="Téglalap 3"/>
+          <p:cNvSpPr/>
+          <p:nvPr/>
+        </p:nvSpPr>
+        <p:spPr>
+          <a:xfrm>
+            <a:off x="2113659" y="331675"/>
+            <a:ext cx="7788926" cy="5971142"/>
+          </a:xfrm>
+          <a:prstGeom prst="rect">
+            <a:avLst/>
+          </a:prstGeom>
+          <a:solidFill>
+            <a:schemeClr val="tx1"/>
+          </a:solidFill>
+          <a:ln>
+            <a:noFill/>
+          </a:ln>
+        </p:spPr>
+        <p:style>
+          <a:lnRef idx="2">
+            <a:schemeClr val="accent1">
+              <a:shade val="50000"/>
+            </a:schemeClr>
+          </a:lnRef>
+          <a:fillRef idx="1">
+            <a:schemeClr val="accent1"/>
+          </a:fillRef>
+          <a:effectRef idx="0">
+            <a:schemeClr val="accent1"/>
+          </a:effectRef>
+          <a:fontRef idx="minor">
+            <a:schemeClr val="lt1"/>
+          </a:fontRef>
+        </p:style>
+        <p:txBody>
+          <a:bodyPr rtlCol="0" anchor="ctr"/>
+          <a:lstStyle/>
+          <a:p>
+            <a:pPr algn="ctr"/>
+            <a:endParaRPr lang="hu-HU" dirty="0"/>
+          </a:p>
+        </p:txBody>
+      </p:sp>
+      <p:sp>
+        <p:nvSpPr>
+          <p:cNvPr id="2" name="Ellipszis 1"/>
+          <p:cNvSpPr/>
+          <p:nvPr/>
+        </p:nvSpPr>
+        <p:spPr>
+          <a:xfrm>
+            <a:off x="5585551" y="2869893"/>
+            <a:ext cx="870333" cy="870333"/>
+          </a:xfrm>
+          <a:prstGeom prst="ellipse">
+            <a:avLst/>
+          </a:prstGeom>
+          <a:solidFill>
+            <a:srgbClr val="FF0000"/>
+          </a:solidFill>
+          <a:ln>
+            <a:noFill/>
+          </a:ln>
+        </p:spPr>
+        <p:style>
+          <a:lnRef idx="2">
+            <a:schemeClr val="accent1">
+              <a:shade val="50000"/>
+            </a:schemeClr>
+          </a:lnRef>
+          <a:fillRef idx="1">
+            <a:schemeClr val="accent1"/>
+          </a:fillRef>
+          <a:effectRef idx="0">
+            <a:schemeClr val="accent1"/>
+          </a:effectRef>
+          <a:fontRef idx="minor">
+            <a:schemeClr val="lt1"/>
+          </a:fontRef>
+        </p:style>
+        <p:txBody>
+          <a:bodyPr rtlCol="0" anchor="ctr"/>
+          <a:lstStyle/>
+          <a:p>
+            <a:pPr algn="ctr"/>
+            <a:endParaRPr lang="hu-HU"/>
+          </a:p>
+        </p:txBody>
+      </p:sp>
+      <p:sp>
+        <p:nvSpPr>
+          <p:cNvPr id="3" name="Ellipszis 2"/>
+          <p:cNvSpPr/>
+          <p:nvPr/>
+        </p:nvSpPr>
+        <p:spPr>
+          <a:xfrm>
+            <a:off x="7105878" y="1388124"/>
+            <a:ext cx="539827" cy="539827"/>
+          </a:xfrm>
+          <a:prstGeom prst="ellipse">
+            <a:avLst/>
+          </a:prstGeom>
+          <a:solidFill>
+            <a:srgbClr val="FF0000"/>
+          </a:solidFill>
+          <a:ln>
+            <a:noFill/>
+          </a:ln>
+        </p:spPr>
+        <p:style>
+          <a:lnRef idx="2">
+            <a:schemeClr val="accent1">
+              <a:shade val="50000"/>
+            </a:schemeClr>
+          </a:lnRef>
+          <a:fillRef idx="1">
+            <a:schemeClr val="accent1"/>
+          </a:fillRef>
+          <a:effectRef idx="0">
+            <a:schemeClr val="accent1"/>
+          </a:effectRef>
+          <a:fontRef idx="minor">
+            <a:schemeClr val="lt1"/>
+          </a:fontRef>
+        </p:style>
+        <p:txBody>
+          <a:bodyPr rtlCol="0" anchor="ctr"/>
+          <a:lstStyle/>
+          <a:p>
+            <a:pPr algn="ctr"/>
+            <a:endParaRPr lang="hu-HU"/>
+          </a:p>
+        </p:txBody>
+      </p:sp>
+      <p:cxnSp>
+        <p:nvCxnSpPr>
+          <p:cNvPr id="6" name="Egyenes összekötő 5"/>
+          <p:cNvCxnSpPr/>
+          <p:nvPr/>
+        </p:nvCxnSpPr>
+        <p:spPr>
+          <a:xfrm>
+            <a:off x="2126255" y="143219"/>
+            <a:ext cx="0" cy="6389783"/>
+          </a:xfrm>
+          <a:prstGeom prst="line">
+            <a:avLst/>
+          </a:prstGeom>
+          <a:ln w="38100">
+            <a:solidFill>
+              <a:srgbClr val="00B0F0"/>
+            </a:solidFill>
+          </a:ln>
+        </p:spPr>
+        <p:style>
+          <a:lnRef idx="1">
+            <a:schemeClr val="accent1"/>
+          </a:lnRef>
+          <a:fillRef idx="0">
+            <a:schemeClr val="accent1"/>
+          </a:fillRef>
+          <a:effectRef idx="0">
+            <a:schemeClr val="accent1"/>
+          </a:effectRef>
+          <a:fontRef idx="minor">
+            <a:schemeClr val="tx1"/>
+          </a:fontRef>
+        </p:style>
+      </p:cxnSp>
+      <p:cxnSp>
+        <p:nvCxnSpPr>
+          <p:cNvPr id="8" name="Egyenes összekötő 7"/>
+          <p:cNvCxnSpPr/>
+          <p:nvPr/>
+        </p:nvCxnSpPr>
+        <p:spPr>
+          <a:xfrm>
+            <a:off x="1949986" y="319489"/>
+            <a:ext cx="8714342" cy="0"/>
+          </a:xfrm>
+          <a:prstGeom prst="line">
+            <a:avLst/>
+          </a:prstGeom>
+          <a:ln w="28575">
+            <a:solidFill>
+              <a:srgbClr val="00B0F0"/>
+            </a:solidFill>
+          </a:ln>
+        </p:spPr>
+        <p:style>
+          <a:lnRef idx="1">
+            <a:schemeClr val="accent1"/>
+          </a:lnRef>
+          <a:fillRef idx="0">
+            <a:schemeClr val="accent1"/>
+          </a:fillRef>
+          <a:effectRef idx="0">
+            <a:schemeClr val="accent1"/>
+          </a:effectRef>
+          <a:fontRef idx="minor">
+            <a:schemeClr val="tx1"/>
+          </a:fontRef>
+        </p:style>
+      </p:cxnSp>
+      <p:sp>
+        <p:nvSpPr>
+          <p:cNvPr id="9" name="Szövegdoboz 8"/>
+          <p:cNvSpPr txBox="1"/>
+          <p:nvPr/>
+        </p:nvSpPr>
+        <p:spPr>
+          <a:xfrm>
+            <a:off x="5718658" y="4627468"/>
+            <a:ext cx="2117887" cy="523220"/>
+          </a:xfrm>
+          <a:prstGeom prst="rect">
+            <a:avLst/>
+          </a:prstGeom>
+          <a:noFill/>
+        </p:spPr>
+        <p:txBody>
+          <a:bodyPr wrap="none" rtlCol="0">
+            <a:spAutoFit/>
+          </a:bodyPr>
+          <a:lstStyle/>
+          <a:p>
+            <a:r>
+              <a:rPr lang="hu-HU" sz="2800" dirty="0" smtClean="0">
+                <a:solidFill>
+                  <a:schemeClr val="bg1"/>
+                </a:solidFill>
+                <a:latin typeface="Courier New" panose="02070309020205020404" pitchFamily="49" charset="0"/>
+                <a:cs typeface="Courier New" panose="02070309020205020404" pitchFamily="49" charset="0"/>
+              </a:rPr>
+              <a:t>(-240,75)</a:t>
+            </a:r>
+            <a:endParaRPr lang="hu-HU" sz="2800" dirty="0">
+              <a:solidFill>
+                <a:schemeClr val="bg1"/>
+              </a:solidFill>
+              <a:latin typeface="Courier New" panose="02070309020205020404" pitchFamily="49" charset="0"/>
+              <a:cs typeface="Courier New" panose="02070309020205020404" pitchFamily="49" charset="0"/>
+            </a:endParaRPr>
+          </a:p>
+        </p:txBody>
+      </p:sp>
+      <p:sp>
+        <p:nvSpPr>
+          <p:cNvPr id="10" name="Szövegdoboz 9"/>
+          <p:cNvSpPr txBox="1"/>
+          <p:nvPr/>
+        </p:nvSpPr>
+        <p:spPr>
+          <a:xfrm>
+            <a:off x="2126254" y="319488"/>
+            <a:ext cx="598241" cy="369332"/>
+          </a:xfrm>
+          <a:prstGeom prst="rect">
+            <a:avLst/>
+          </a:prstGeom>
+          <a:noFill/>
+        </p:spPr>
+        <p:txBody>
+          <a:bodyPr wrap="none" rtlCol="0">
+            <a:spAutoFit/>
+          </a:bodyPr>
+          <a:lstStyle/>
+          <a:p>
+            <a:r>
+              <a:rPr lang="hu-HU" dirty="0" smtClean="0">
+                <a:solidFill>
+                  <a:schemeClr val="bg1"/>
+                </a:solidFill>
+                <a:latin typeface="Courier New" panose="02070309020205020404" pitchFamily="49" charset="0"/>
+                <a:cs typeface="Courier New" panose="02070309020205020404" pitchFamily="49" charset="0"/>
+              </a:rPr>
+              <a:t>0,0</a:t>
+            </a:r>
+            <a:endParaRPr lang="hu-HU" dirty="0">
+              <a:solidFill>
+                <a:schemeClr val="bg1"/>
+              </a:solidFill>
+              <a:latin typeface="Courier New" panose="02070309020205020404" pitchFamily="49" charset="0"/>
+              <a:cs typeface="Courier New" panose="02070309020205020404" pitchFamily="49" charset="0"/>
+            </a:endParaRPr>
+          </a:p>
+        </p:txBody>
+      </p:sp>
+      <p:sp>
+        <p:nvSpPr>
+          <p:cNvPr id="11" name="Szövegdoboz 10"/>
+          <p:cNvSpPr txBox="1"/>
+          <p:nvPr/>
+        </p:nvSpPr>
+        <p:spPr>
+          <a:xfrm>
+            <a:off x="8521546" y="5857819"/>
+            <a:ext cx="1287532" cy="369332"/>
+          </a:xfrm>
+          <a:prstGeom prst="rect">
+            <a:avLst/>
+          </a:prstGeom>
+          <a:noFill/>
+        </p:spPr>
+        <p:txBody>
+          <a:bodyPr wrap="none" rtlCol="0">
+            <a:spAutoFit/>
+          </a:bodyPr>
+          <a:lstStyle/>
+          <a:p>
+            <a:r>
+              <a:rPr lang="hu-HU" dirty="0">
+                <a:solidFill>
+                  <a:schemeClr val="bg1"/>
+                </a:solidFill>
+                <a:latin typeface="Courier New" panose="02070309020205020404" pitchFamily="49" charset="0"/>
+                <a:cs typeface="Courier New" panose="02070309020205020404" pitchFamily="49" charset="0"/>
+              </a:rPr>
+              <a:t>8</a:t>
+            </a:r>
+            <a:r>
+              <a:rPr lang="hu-HU" dirty="0" smtClean="0">
+                <a:solidFill>
+                  <a:schemeClr val="bg1"/>
+                </a:solidFill>
+                <a:latin typeface="Courier New" panose="02070309020205020404" pitchFamily="49" charset="0"/>
+                <a:cs typeface="Courier New" panose="02070309020205020404" pitchFamily="49" charset="0"/>
+              </a:rPr>
+              <a:t>00, 600</a:t>
+            </a:r>
+            <a:endParaRPr lang="hu-HU" dirty="0">
+              <a:solidFill>
+                <a:schemeClr val="bg1"/>
+              </a:solidFill>
+              <a:latin typeface="Courier New" panose="02070309020205020404" pitchFamily="49" charset="0"/>
+              <a:cs typeface="Courier New" panose="02070309020205020404" pitchFamily="49" charset="0"/>
+            </a:endParaRPr>
+          </a:p>
+        </p:txBody>
+      </p:sp>
+      <p:sp>
+        <p:nvSpPr>
+          <p:cNvPr id="12" name="Ellipszis 11"/>
+          <p:cNvSpPr/>
+          <p:nvPr/>
+        </p:nvSpPr>
+        <p:spPr>
+          <a:xfrm>
+            <a:off x="5976383" y="3274631"/>
+            <a:ext cx="63479" cy="63479"/>
+          </a:xfrm>
+          <a:prstGeom prst="ellipse">
+            <a:avLst/>
+          </a:prstGeom>
+          <a:solidFill>
+            <a:schemeClr val="bg1"/>
+          </a:solidFill>
+          <a:ln>
+            <a:noFill/>
+          </a:ln>
+        </p:spPr>
+        <p:style>
+          <a:lnRef idx="2">
+            <a:schemeClr val="accent1">
+              <a:shade val="50000"/>
+            </a:schemeClr>
+          </a:lnRef>
+          <a:fillRef idx="1">
+            <a:schemeClr val="accent1"/>
+          </a:fillRef>
+          <a:effectRef idx="0">
+            <a:schemeClr val="accent1"/>
+          </a:effectRef>
+          <a:fontRef idx="minor">
+            <a:schemeClr val="lt1"/>
+          </a:fontRef>
+        </p:style>
+        <p:txBody>
+          <a:bodyPr rtlCol="0" anchor="ctr"/>
+          <a:lstStyle/>
+          <a:p>
+            <a:pPr algn="ctr"/>
+            <a:r>
+              <a:rPr lang="hu-HU" dirty="0" smtClean="0"/>
+              <a:t> </a:t>
+            </a:r>
+            <a:endParaRPr lang="hu-HU" dirty="0"/>
+          </a:p>
+        </p:txBody>
+      </p:sp>
+      <p:sp>
+        <p:nvSpPr>
+          <p:cNvPr id="13" name="Szövegdoboz 12"/>
+          <p:cNvSpPr txBox="1"/>
+          <p:nvPr/>
+        </p:nvSpPr>
+        <p:spPr>
+          <a:xfrm>
+            <a:off x="6130425" y="1285886"/>
+            <a:ext cx="1425390" cy="369332"/>
+          </a:xfrm>
+          <a:prstGeom prst="rect">
+            <a:avLst/>
+          </a:prstGeom>
+          <a:noFill/>
+        </p:spPr>
+        <p:txBody>
+          <a:bodyPr wrap="none" rtlCol="0">
+            <a:spAutoFit/>
+          </a:bodyPr>
+          <a:lstStyle/>
+          <a:p>
+            <a:r>
+              <a:rPr lang="hu-HU" dirty="0" smtClean="0">
+                <a:solidFill>
+                  <a:schemeClr val="bg1"/>
+                </a:solidFill>
+                <a:latin typeface="Courier New" panose="02070309020205020404" pitchFamily="49" charset="0"/>
+                <a:cs typeface="Courier New" panose="02070309020205020404" pitchFamily="49" charset="0"/>
+              </a:rPr>
+              <a:t>(640,125)</a:t>
+            </a:r>
+            <a:endParaRPr lang="hu-HU" dirty="0">
+              <a:solidFill>
+                <a:schemeClr val="bg1"/>
+              </a:solidFill>
+              <a:latin typeface="Courier New" panose="02070309020205020404" pitchFamily="49" charset="0"/>
+              <a:cs typeface="Courier New" panose="02070309020205020404" pitchFamily="49" charset="0"/>
+            </a:endParaRPr>
+          </a:p>
+        </p:txBody>
+      </p:sp>
+      <p:sp>
+        <p:nvSpPr>
+          <p:cNvPr id="14" name="Ellipszis 13"/>
+          <p:cNvSpPr/>
+          <p:nvPr/>
+        </p:nvSpPr>
+        <p:spPr>
+          <a:xfrm>
+            <a:off x="7343462" y="1623479"/>
+            <a:ext cx="63479" cy="63479"/>
+          </a:xfrm>
+          <a:prstGeom prst="ellipse">
+            <a:avLst/>
+          </a:prstGeom>
+          <a:solidFill>
+            <a:schemeClr val="bg1"/>
+          </a:solidFill>
+          <a:ln>
+            <a:noFill/>
+          </a:ln>
+        </p:spPr>
+        <p:style>
+          <a:lnRef idx="2">
+            <a:schemeClr val="accent1">
+              <a:shade val="50000"/>
+            </a:schemeClr>
+          </a:lnRef>
+          <a:fillRef idx="1">
+            <a:schemeClr val="accent1"/>
+          </a:fillRef>
+          <a:effectRef idx="0">
+            <a:schemeClr val="accent1"/>
+          </a:effectRef>
+          <a:fontRef idx="minor">
+            <a:schemeClr val="lt1"/>
+          </a:fontRef>
+        </p:style>
+        <p:txBody>
+          <a:bodyPr rtlCol="0" anchor="ctr"/>
+          <a:lstStyle/>
+          <a:p>
+            <a:pPr algn="ctr"/>
+            <a:r>
+              <a:rPr lang="hu-HU" dirty="0" smtClean="0"/>
+              <a:t> </a:t>
+            </a:r>
+            <a:endParaRPr lang="hu-HU" dirty="0"/>
+          </a:p>
+        </p:txBody>
+      </p:sp>
+      <p:cxnSp>
+        <p:nvCxnSpPr>
+          <p:cNvPr id="16" name="Egyenes összekötő nyíllal 15"/>
+          <p:cNvCxnSpPr>
+            <a:stCxn id="14" idx="3"/>
+            <a:endCxn id="12" idx="2"/>
+          </p:cNvCxnSpPr>
+          <p:nvPr/>
+        </p:nvCxnSpPr>
+        <p:spPr>
+          <a:xfrm flipH="1">
+            <a:off x="5976383" y="1677662"/>
+            <a:ext cx="1376375" cy="1628709"/>
+          </a:xfrm>
+          <a:prstGeom prst="straightConnector1">
+            <a:avLst/>
+          </a:prstGeom>
+          <a:ln w="76200">
+            <a:solidFill>
+              <a:schemeClr val="accent4">
+                <a:lumMod val="60000"/>
+                <a:lumOff val="40000"/>
+              </a:schemeClr>
+            </a:solidFill>
+            <a:tailEnd type="triangle"/>
+          </a:ln>
+        </p:spPr>
+        <p:style>
+          <a:lnRef idx="1">
+            <a:schemeClr val="accent1"/>
+          </a:lnRef>
+          <a:fillRef idx="0">
+            <a:schemeClr val="accent1"/>
+          </a:fillRef>
+          <a:effectRef idx="0">
+            <a:schemeClr val="accent1"/>
+          </a:effectRef>
+          <a:fontRef idx="minor">
+            <a:schemeClr val="tx1"/>
+          </a:fontRef>
+        </p:style>
+      </p:cxnSp>
+      <p:cxnSp>
+        <p:nvCxnSpPr>
+          <p:cNvPr id="19" name="Egyenes összekötő 18"/>
+          <p:cNvCxnSpPr>
+            <a:stCxn id="12" idx="6"/>
+          </p:cNvCxnSpPr>
+          <p:nvPr/>
+        </p:nvCxnSpPr>
+        <p:spPr>
+          <a:xfrm>
+            <a:off x="6039862" y="3306371"/>
+            <a:ext cx="1335340" cy="0"/>
+          </a:xfrm>
+          <a:prstGeom prst="line">
+            <a:avLst/>
+          </a:prstGeom>
+          <a:ln>
+            <a:solidFill>
+              <a:schemeClr val="bg1"/>
+            </a:solidFill>
+          </a:ln>
+        </p:spPr>
+        <p:style>
+          <a:lnRef idx="1">
+            <a:schemeClr val="accent1"/>
+          </a:lnRef>
+          <a:fillRef idx="0">
+            <a:schemeClr val="accent1"/>
+          </a:fillRef>
+          <a:effectRef idx="0">
+            <a:schemeClr val="accent1"/>
+          </a:effectRef>
+          <a:fontRef idx="minor">
+            <a:schemeClr val="tx1"/>
+          </a:fontRef>
+        </p:style>
+      </p:cxnSp>
+      <p:cxnSp>
+        <p:nvCxnSpPr>
+          <p:cNvPr id="21" name="Egyenes összekötő 20"/>
+          <p:cNvCxnSpPr>
+            <a:stCxn id="14" idx="0"/>
+          </p:cNvCxnSpPr>
+          <p:nvPr/>
+        </p:nvCxnSpPr>
+        <p:spPr>
+          <a:xfrm>
+            <a:off x="7375202" y="1623479"/>
+            <a:ext cx="0" cy="1682892"/>
+          </a:xfrm>
+          <a:prstGeom prst="line">
+            <a:avLst/>
+          </a:prstGeom>
+          <a:ln>
+            <a:solidFill>
+              <a:schemeClr val="bg1"/>
+            </a:solidFill>
+          </a:ln>
+        </p:spPr>
+        <p:style>
+          <a:lnRef idx="1">
+            <a:schemeClr val="accent1"/>
+          </a:lnRef>
+          <a:fillRef idx="0">
+            <a:schemeClr val="accent1"/>
+          </a:fillRef>
+          <a:effectRef idx="0">
+            <a:schemeClr val="accent1"/>
+          </a:effectRef>
+          <a:fontRef idx="minor">
+            <a:schemeClr val="tx1"/>
+          </a:fontRef>
+        </p:style>
+      </p:cxnSp>
+      <p:grpSp>
+        <p:nvGrpSpPr>
+          <p:cNvPr id="32" name="Csoportba foglalás 31"/>
+          <p:cNvGrpSpPr/>
+          <p:nvPr/>
+        </p:nvGrpSpPr>
+        <p:grpSpPr>
+          <a:xfrm>
+            <a:off x="6008122" y="3426245"/>
+            <a:ext cx="1367078" cy="337564"/>
+            <a:chOff x="6011538" y="3426274"/>
+            <a:chExt cx="1367078" cy="337564"/>
+          </a:xfrm>
+        </p:grpSpPr>
+        <p:grpSp>
+          <p:nvGrpSpPr>
+            <p:cNvPr id="30" name="Csoportba foglalás 29"/>
+            <p:cNvGrpSpPr/>
+            <p:nvPr/>
+          </p:nvGrpSpPr>
+          <p:grpSpPr>
+            <a:xfrm>
+              <a:off x="6011900" y="3426274"/>
+              <a:ext cx="1366716" cy="337564"/>
+              <a:chOff x="5998414" y="3888953"/>
+              <a:chExt cx="1301796" cy="337564"/>
+            </a:xfrm>
+          </p:grpSpPr>
+          <p:cxnSp>
+            <p:nvCxnSpPr>
+              <p:cNvPr id="24" name="Egyenes összekötő 23"/>
+              <p:cNvCxnSpPr/>
+              <p:nvPr/>
+            </p:nvCxnSpPr>
+            <p:spPr>
+              <a:xfrm>
+                <a:off x="5998414" y="3888954"/>
+                <a:ext cx="0" cy="337563"/>
+              </a:xfrm>
+              <a:prstGeom prst="line">
+                <a:avLst/>
+              </a:prstGeom>
+              <a:ln>
+                <a:solidFill>
+                  <a:schemeClr val="bg1"/>
+                </a:solidFill>
+              </a:ln>
+            </p:spPr>
+            <p:style>
+              <a:lnRef idx="1">
+                <a:schemeClr val="accent1"/>
+              </a:lnRef>
+              <a:fillRef idx="0">
+                <a:schemeClr val="accent1"/>
+              </a:fillRef>
+              <a:effectRef idx="0">
+                <a:schemeClr val="accent1"/>
+              </a:effectRef>
+              <a:fontRef idx="minor">
+                <a:schemeClr val="tx1"/>
+              </a:fontRef>
+            </p:style>
+          </p:cxnSp>
+          <p:cxnSp>
+            <p:nvCxnSpPr>
+              <p:cNvPr id="25" name="Egyenes összekötő 24"/>
+              <p:cNvCxnSpPr/>
+              <p:nvPr/>
+            </p:nvCxnSpPr>
+            <p:spPr>
+              <a:xfrm>
+                <a:off x="7300210" y="3888953"/>
+                <a:ext cx="0" cy="337563"/>
+              </a:xfrm>
+              <a:prstGeom prst="line">
+                <a:avLst/>
+              </a:prstGeom>
+              <a:ln>
+                <a:solidFill>
+                  <a:schemeClr val="bg1"/>
+                </a:solidFill>
+              </a:ln>
+            </p:spPr>
+            <p:style>
+              <a:lnRef idx="1">
+                <a:schemeClr val="accent1"/>
+              </a:lnRef>
+              <a:fillRef idx="0">
+                <a:schemeClr val="accent1"/>
+              </a:fillRef>
+              <a:effectRef idx="0">
+                <a:schemeClr val="accent1"/>
+              </a:effectRef>
+              <a:fontRef idx="minor">
+                <a:schemeClr val="tx1"/>
+              </a:fontRef>
+            </p:style>
+          </p:cxnSp>
+        </p:grpSp>
+        <p:cxnSp>
+          <p:nvCxnSpPr>
+            <p:cNvPr id="31" name="Egyenes összekötő 30"/>
+            <p:cNvCxnSpPr/>
+            <p:nvPr/>
+          </p:nvCxnSpPr>
+          <p:spPr>
+            <a:xfrm>
+              <a:off x="6011538" y="3581793"/>
+              <a:ext cx="1367078" cy="0"/>
+            </a:xfrm>
+            <a:prstGeom prst="line">
+              <a:avLst/>
+            </a:prstGeom>
+            <a:ln>
+              <a:solidFill>
+                <a:schemeClr val="bg1"/>
+              </a:solidFill>
+              <a:headEnd type="triangle" w="med" len="med"/>
+              <a:tailEnd type="triangle" w="med" len="med"/>
+            </a:ln>
+          </p:spPr>
+          <p:style>
+            <a:lnRef idx="1">
+              <a:schemeClr val="accent1"/>
+            </a:lnRef>
+            <a:fillRef idx="0">
+              <a:schemeClr val="accent1"/>
+            </a:fillRef>
+            <a:effectRef idx="0">
+              <a:schemeClr val="accent1"/>
+            </a:effectRef>
+            <a:fontRef idx="minor">
+              <a:schemeClr val="tx1"/>
+            </a:fontRef>
+          </p:style>
+        </p:cxnSp>
+      </p:grpSp>
+      <p:sp>
+        <p:nvSpPr>
+          <p:cNvPr id="39" name="Szövegdoboz 38"/>
+          <p:cNvSpPr txBox="1"/>
+          <p:nvPr/>
+        </p:nvSpPr>
+        <p:spPr>
+          <a:xfrm>
+            <a:off x="4985843" y="3771966"/>
+            <a:ext cx="1976823" cy="369332"/>
+          </a:xfrm>
+          <a:prstGeom prst="rect">
+            <a:avLst/>
+          </a:prstGeom>
+          <a:noFill/>
+        </p:spPr>
+        <p:txBody>
+          <a:bodyPr wrap="none" rtlCol="0">
+            <a:spAutoFit/>
+          </a:bodyPr>
+          <a:lstStyle/>
+          <a:p>
+            <a:r>
+              <a:rPr lang="hu-HU" dirty="0" smtClean="0">
+                <a:solidFill>
+                  <a:schemeClr val="bg1"/>
+                </a:solidFill>
+                <a:latin typeface="Courier New" panose="02070309020205020404" pitchFamily="49" charset="0"/>
+                <a:cs typeface="Courier New" panose="02070309020205020404" pitchFamily="49" charset="0"/>
+              </a:rPr>
+              <a:t>400–640= -240</a:t>
+            </a:r>
+            <a:endParaRPr lang="hu-HU" dirty="0">
+              <a:solidFill>
+                <a:schemeClr val="bg1"/>
+              </a:solidFill>
+              <a:latin typeface="Courier New" panose="02070309020205020404" pitchFamily="49" charset="0"/>
+              <a:cs typeface="Courier New" panose="02070309020205020404" pitchFamily="49" charset="0"/>
+            </a:endParaRPr>
+          </a:p>
+        </p:txBody>
+      </p:sp>
+      <p:grpSp>
+        <p:nvGrpSpPr>
+          <p:cNvPr id="40" name="Csoportba foglalás 39"/>
+          <p:cNvGrpSpPr/>
+          <p:nvPr/>
+        </p:nvGrpSpPr>
+        <p:grpSpPr>
+          <a:xfrm rot="5400000">
+            <a:off x="6923161" y="2317450"/>
+            <a:ext cx="1662028" cy="337564"/>
+            <a:chOff x="6011538" y="3426274"/>
+            <a:chExt cx="1367078" cy="337564"/>
+          </a:xfrm>
+        </p:grpSpPr>
+        <p:grpSp>
+          <p:nvGrpSpPr>
+            <p:cNvPr id="41" name="Csoportba foglalás 40"/>
+            <p:cNvGrpSpPr/>
+            <p:nvPr/>
+          </p:nvGrpSpPr>
+          <p:grpSpPr>
+            <a:xfrm>
+              <a:off x="6011900" y="3426274"/>
+              <a:ext cx="1366716" cy="337564"/>
+              <a:chOff x="5998414" y="3888953"/>
+              <a:chExt cx="1301796" cy="337564"/>
+            </a:xfrm>
+          </p:grpSpPr>
+          <p:cxnSp>
+            <p:nvCxnSpPr>
+              <p:cNvPr id="43" name="Egyenes összekötő 42"/>
+              <p:cNvCxnSpPr/>
+              <p:nvPr/>
+            </p:nvCxnSpPr>
+            <p:spPr>
+              <a:xfrm>
+                <a:off x="5998414" y="3888954"/>
+                <a:ext cx="0" cy="337563"/>
+              </a:xfrm>
+              <a:prstGeom prst="line">
+                <a:avLst/>
+              </a:prstGeom>
+              <a:ln>
+                <a:solidFill>
+                  <a:schemeClr val="bg1"/>
+                </a:solidFill>
+              </a:ln>
+            </p:spPr>
+            <p:style>
+              <a:lnRef idx="1">
+                <a:schemeClr val="accent1"/>
+              </a:lnRef>
+              <a:fillRef idx="0">
+                <a:schemeClr val="accent1"/>
+              </a:fillRef>
+              <a:effectRef idx="0">
+                <a:schemeClr val="accent1"/>
+              </a:effectRef>
+              <a:fontRef idx="minor">
+                <a:schemeClr val="tx1"/>
+              </a:fontRef>
+            </p:style>
+          </p:cxnSp>
+          <p:cxnSp>
+            <p:nvCxnSpPr>
+              <p:cNvPr id="44" name="Egyenes összekötő 43"/>
+              <p:cNvCxnSpPr/>
+              <p:nvPr/>
+            </p:nvCxnSpPr>
+            <p:spPr>
+              <a:xfrm>
+                <a:off x="7300210" y="3888953"/>
+                <a:ext cx="0" cy="337563"/>
+              </a:xfrm>
+              <a:prstGeom prst="line">
+                <a:avLst/>
+              </a:prstGeom>
+              <a:ln>
+                <a:solidFill>
+                  <a:schemeClr val="bg1"/>
+                </a:solidFill>
+              </a:ln>
+            </p:spPr>
+            <p:style>
+              <a:lnRef idx="1">
+                <a:schemeClr val="accent1"/>
+              </a:lnRef>
+              <a:fillRef idx="0">
+                <a:schemeClr val="accent1"/>
+              </a:fillRef>
+              <a:effectRef idx="0">
+                <a:schemeClr val="accent1"/>
+              </a:effectRef>
+              <a:fontRef idx="minor">
+                <a:schemeClr val="tx1"/>
+              </a:fontRef>
+            </p:style>
+          </p:cxnSp>
+        </p:grpSp>
+        <p:cxnSp>
+          <p:nvCxnSpPr>
+            <p:cNvPr id="42" name="Egyenes összekötő 41"/>
+            <p:cNvCxnSpPr/>
+            <p:nvPr/>
+          </p:nvCxnSpPr>
+          <p:spPr>
+            <a:xfrm>
+              <a:off x="6011538" y="3581793"/>
+              <a:ext cx="1367078" cy="0"/>
+            </a:xfrm>
+            <a:prstGeom prst="line">
+              <a:avLst/>
+            </a:prstGeom>
+            <a:ln>
+              <a:solidFill>
+                <a:schemeClr val="bg1"/>
+              </a:solidFill>
+              <a:headEnd type="triangle" w="med" len="med"/>
+              <a:tailEnd type="triangle" w="med" len="med"/>
+            </a:ln>
+          </p:spPr>
+          <p:style>
+            <a:lnRef idx="1">
+              <a:schemeClr val="accent1"/>
+            </a:lnRef>
+            <a:fillRef idx="0">
+              <a:schemeClr val="accent1"/>
+            </a:fillRef>
+            <a:effectRef idx="0">
+              <a:schemeClr val="accent1"/>
+            </a:effectRef>
+            <a:fontRef idx="minor">
+              <a:schemeClr val="tx1"/>
+            </a:fontRef>
+          </p:style>
+        </p:cxnSp>
+      </p:grpSp>
+      <p:sp>
+        <p:nvSpPr>
+          <p:cNvPr id="45" name="Szövegdoboz 44"/>
+          <p:cNvSpPr txBox="1"/>
+          <p:nvPr/>
+        </p:nvSpPr>
+        <p:spPr>
+          <a:xfrm>
+            <a:off x="7924889" y="2280259"/>
+            <a:ext cx="1701107" cy="369332"/>
+          </a:xfrm>
+          <a:prstGeom prst="rect">
+            <a:avLst/>
+          </a:prstGeom>
+          <a:noFill/>
+        </p:spPr>
+        <p:txBody>
+          <a:bodyPr wrap="none" rtlCol="0">
+            <a:spAutoFit/>
+          </a:bodyPr>
+          <a:lstStyle/>
+          <a:p>
+            <a:r>
+              <a:rPr lang="hu-HU" dirty="0" smtClean="0">
+                <a:solidFill>
+                  <a:schemeClr val="bg1"/>
+                </a:solidFill>
+                <a:latin typeface="Courier New" panose="02070309020205020404" pitchFamily="49" charset="0"/>
+                <a:cs typeface="Courier New" panose="02070309020205020404" pitchFamily="49" charset="0"/>
+              </a:rPr>
+              <a:t>300–125= 75</a:t>
+            </a:r>
+            <a:endParaRPr lang="hu-HU" dirty="0">
+              <a:solidFill>
+                <a:schemeClr val="bg1"/>
+              </a:solidFill>
+              <a:latin typeface="Courier New" panose="02070309020205020404" pitchFamily="49" charset="0"/>
+              <a:cs typeface="Courier New" panose="02070309020205020404" pitchFamily="49" charset="0"/>
+            </a:endParaRPr>
+          </a:p>
+        </p:txBody>
+      </p:sp>
+      <p:sp>
+        <p:nvSpPr>
+          <p:cNvPr id="46" name="Szövegdoboz 45"/>
+          <p:cNvSpPr txBox="1"/>
+          <p:nvPr/>
+        </p:nvSpPr>
+        <p:spPr>
+          <a:xfrm>
+            <a:off x="4484315" y="2836225"/>
+            <a:ext cx="1563248" cy="369332"/>
+          </a:xfrm>
+          <a:prstGeom prst="rect">
+            <a:avLst/>
+          </a:prstGeom>
+          <a:noFill/>
+        </p:spPr>
+        <p:txBody>
+          <a:bodyPr wrap="none" rtlCol="0">
+            <a:spAutoFit/>
+          </a:bodyPr>
+          <a:lstStyle/>
+          <a:p>
+            <a:r>
+              <a:rPr lang="hu-HU" dirty="0" smtClean="0">
+                <a:solidFill>
+                  <a:schemeClr val="bg1"/>
+                </a:solidFill>
+                <a:latin typeface="Courier New" panose="02070309020205020404" pitchFamily="49" charset="0"/>
+                <a:cs typeface="Courier New" panose="02070309020205020404" pitchFamily="49" charset="0"/>
+              </a:rPr>
+              <a:t>(400, 300)</a:t>
+            </a:r>
+            <a:endParaRPr lang="hu-HU" dirty="0">
+              <a:solidFill>
+                <a:schemeClr val="bg1"/>
+              </a:solidFill>
+              <a:latin typeface="Courier New" panose="02070309020205020404" pitchFamily="49" charset="0"/>
+              <a:cs typeface="Courier New" panose="02070309020205020404" pitchFamily="49" charset="0"/>
+            </a:endParaRPr>
+          </a:p>
+        </p:txBody>
+      </p:sp>
+      <p:cxnSp>
+        <p:nvCxnSpPr>
+          <p:cNvPr id="48" name="Egyenes összekötő nyíllal 47"/>
+          <p:cNvCxnSpPr/>
+          <p:nvPr/>
+        </p:nvCxnSpPr>
+        <p:spPr>
+          <a:xfrm flipH="1">
+            <a:off x="6419346" y="4141298"/>
+            <a:ext cx="36538" cy="452764"/>
+          </a:xfrm>
+          <a:prstGeom prst="straightConnector1">
+            <a:avLst/>
+          </a:prstGeom>
+          <a:ln w="38100">
+            <a:solidFill>
+              <a:schemeClr val="bg1"/>
+            </a:solidFill>
+            <a:tailEnd type="triangle"/>
+          </a:ln>
+        </p:spPr>
+        <p:style>
+          <a:lnRef idx="1">
+            <a:schemeClr val="accent1"/>
+          </a:lnRef>
+          <a:fillRef idx="0">
+            <a:schemeClr val="accent1"/>
+          </a:fillRef>
+          <a:effectRef idx="0">
+            <a:schemeClr val="accent1"/>
+          </a:effectRef>
+          <a:fontRef idx="minor">
+            <a:schemeClr val="tx1"/>
+          </a:fontRef>
+        </p:style>
+      </p:cxnSp>
+      <p:cxnSp>
+        <p:nvCxnSpPr>
+          <p:cNvPr id="50" name="Egyenes összekötő nyíllal 49"/>
+          <p:cNvCxnSpPr/>
+          <p:nvPr/>
+        </p:nvCxnSpPr>
+        <p:spPr>
+          <a:xfrm flipH="1">
+            <a:off x="7160664" y="2619716"/>
+            <a:ext cx="2154807" cy="1974346"/>
+          </a:xfrm>
+          <a:prstGeom prst="straightConnector1">
+            <a:avLst/>
+          </a:prstGeom>
+          <a:ln w="38100">
+            <a:solidFill>
+              <a:schemeClr val="bg1"/>
+            </a:solidFill>
+            <a:tailEnd type="triangle"/>
+          </a:ln>
+        </p:spPr>
+        <p:style>
+          <a:lnRef idx="1">
+            <a:schemeClr val="accent1"/>
+          </a:lnRef>
+          <a:fillRef idx="0">
+            <a:schemeClr val="accent1"/>
+          </a:fillRef>
+          <a:effectRef idx="0">
+            <a:schemeClr val="accent1"/>
+          </a:effectRef>
+          <a:fontRef idx="minor">
+            <a:schemeClr val="tx1"/>
+          </a:fontRef>
+        </p:style>
+      </p:cxnSp>
+      <p:sp>
+        <p:nvSpPr>
+          <p:cNvPr id="51" name="Szövegdoboz 50"/>
+          <p:cNvSpPr txBox="1"/>
+          <p:nvPr/>
+        </p:nvSpPr>
+        <p:spPr>
+          <a:xfrm>
+            <a:off x="3025626" y="4547330"/>
+            <a:ext cx="1688283" cy="523220"/>
+          </a:xfrm>
+          <a:prstGeom prst="rect">
+            <a:avLst/>
+          </a:prstGeom>
+          <a:noFill/>
+        </p:spPr>
+        <p:txBody>
+          <a:bodyPr wrap="none" rtlCol="0">
+            <a:spAutoFit/>
+          </a:bodyPr>
+          <a:lstStyle/>
+          <a:p>
+            <a:r>
+              <a:rPr lang="hu-HU" sz="2800" dirty="0" smtClean="0">
+                <a:solidFill>
+                  <a:schemeClr val="bg1"/>
+                </a:solidFill>
+                <a:latin typeface="Courier New" panose="02070309020205020404" pitchFamily="49" charset="0"/>
+                <a:cs typeface="Courier New" panose="02070309020205020404" pitchFamily="49" charset="0"/>
+              </a:rPr>
+              <a:t>1 ugrás</a:t>
+            </a:r>
+            <a:endParaRPr lang="hu-HU" sz="2800" dirty="0">
+              <a:solidFill>
+                <a:schemeClr val="bg1"/>
+              </a:solidFill>
+              <a:latin typeface="Courier New" panose="02070309020205020404" pitchFamily="49" charset="0"/>
+              <a:cs typeface="Courier New" panose="02070309020205020404" pitchFamily="49" charset="0"/>
+            </a:endParaRPr>
+          </a:p>
+        </p:txBody>
+      </p:sp>
+      <p:sp>
+        <p:nvSpPr>
+          <p:cNvPr id="52" name="Szövegdoboz 51"/>
+          <p:cNvSpPr txBox="1"/>
+          <p:nvPr/>
+        </p:nvSpPr>
+        <p:spPr>
+          <a:xfrm>
+            <a:off x="5950043" y="5184094"/>
+            <a:ext cx="2117887" cy="523220"/>
+          </a:xfrm>
+          <a:prstGeom prst="rect">
+            <a:avLst/>
+          </a:prstGeom>
+          <a:noFill/>
+        </p:spPr>
+        <p:txBody>
+          <a:bodyPr wrap="none" rtlCol="0">
+            <a:spAutoFit/>
+          </a:bodyPr>
+          <a:lstStyle/>
+          <a:p>
+            <a:r>
+              <a:rPr lang="hu-HU" sz="2800" dirty="0" smtClean="0">
+                <a:solidFill>
+                  <a:schemeClr val="bg1"/>
+                </a:solidFill>
+                <a:latin typeface="Courier New" panose="02070309020205020404" pitchFamily="49" charset="0"/>
+                <a:cs typeface="Courier New" panose="02070309020205020404" pitchFamily="49" charset="0"/>
+              </a:rPr>
+              <a:t>(-24,7.5)</a:t>
+            </a:r>
+            <a:endParaRPr lang="hu-HU" sz="2800" dirty="0">
+              <a:solidFill>
+                <a:schemeClr val="bg1"/>
+              </a:solidFill>
+              <a:latin typeface="Courier New" panose="02070309020205020404" pitchFamily="49" charset="0"/>
+              <a:cs typeface="Courier New" panose="02070309020205020404" pitchFamily="49" charset="0"/>
+            </a:endParaRPr>
+          </a:p>
+        </p:txBody>
+      </p:sp>
+      <p:sp>
+        <p:nvSpPr>
+          <p:cNvPr id="53" name="Szövegdoboz 52"/>
+          <p:cNvSpPr txBox="1"/>
+          <p:nvPr/>
+        </p:nvSpPr>
+        <p:spPr>
+          <a:xfrm>
+            <a:off x="2810824" y="5106798"/>
+            <a:ext cx="1903085" cy="523220"/>
+          </a:xfrm>
+          <a:prstGeom prst="rect">
+            <a:avLst/>
+          </a:prstGeom>
+          <a:noFill/>
+        </p:spPr>
+        <p:txBody>
+          <a:bodyPr wrap="none" rtlCol="0">
+            <a:spAutoFit/>
+          </a:bodyPr>
+          <a:lstStyle/>
+          <a:p>
+            <a:r>
+              <a:rPr lang="hu-HU" sz="2800" dirty="0" smtClean="0">
+                <a:solidFill>
+                  <a:schemeClr val="bg1"/>
+                </a:solidFill>
+                <a:latin typeface="Courier New" panose="02070309020205020404" pitchFamily="49" charset="0"/>
+                <a:cs typeface="Courier New" panose="02070309020205020404" pitchFamily="49" charset="0"/>
+              </a:rPr>
+              <a:t>10 ugrás</a:t>
+            </a:r>
+            <a:endParaRPr lang="hu-HU" sz="2800" dirty="0">
+              <a:solidFill>
+                <a:schemeClr val="bg1"/>
+              </a:solidFill>
+              <a:latin typeface="Courier New" panose="02070309020205020404" pitchFamily="49" charset="0"/>
+              <a:cs typeface="Courier New" panose="02070309020205020404" pitchFamily="49" charset="0"/>
+            </a:endParaRPr>
+          </a:p>
+        </p:txBody>
+      </p:sp>
+      <p:sp>
+        <p:nvSpPr>
+          <p:cNvPr id="54" name="Szövegdoboz 53"/>
+          <p:cNvSpPr txBox="1"/>
+          <p:nvPr/>
+        </p:nvSpPr>
+        <p:spPr>
+          <a:xfrm>
+            <a:off x="5735241" y="5707314"/>
+            <a:ext cx="2332690" cy="523220"/>
+          </a:xfrm>
+          <a:prstGeom prst="rect">
+            <a:avLst/>
+          </a:prstGeom>
+          <a:noFill/>
+        </p:spPr>
+        <p:txBody>
+          <a:bodyPr wrap="none" rtlCol="0">
+            <a:spAutoFit/>
+          </a:bodyPr>
+          <a:lstStyle/>
+          <a:p>
+            <a:r>
+              <a:rPr lang="hu-HU" sz="2800" dirty="0" smtClean="0">
+                <a:solidFill>
+                  <a:schemeClr val="bg1"/>
+                </a:solidFill>
+                <a:latin typeface="Courier New" panose="02070309020205020404" pitchFamily="49" charset="0"/>
+                <a:cs typeface="Courier New" panose="02070309020205020404" pitchFamily="49" charset="0"/>
+              </a:rPr>
+              <a:t>(-2.4,.75)</a:t>
+            </a:r>
+            <a:endParaRPr lang="hu-HU" sz="2800" dirty="0">
+              <a:solidFill>
+                <a:schemeClr val="bg1"/>
+              </a:solidFill>
+              <a:latin typeface="Courier New" panose="02070309020205020404" pitchFamily="49" charset="0"/>
+              <a:cs typeface="Courier New" panose="02070309020205020404" pitchFamily="49" charset="0"/>
+            </a:endParaRPr>
+          </a:p>
+        </p:txBody>
+      </p:sp>
+      <p:sp>
+        <p:nvSpPr>
+          <p:cNvPr id="55" name="Szövegdoboz 54"/>
+          <p:cNvSpPr txBox="1"/>
+          <p:nvPr/>
+        </p:nvSpPr>
+        <p:spPr>
+          <a:xfrm>
+            <a:off x="2596022" y="5668341"/>
+            <a:ext cx="2117887" cy="523220"/>
+          </a:xfrm>
+          <a:prstGeom prst="rect">
+            <a:avLst/>
+          </a:prstGeom>
+          <a:noFill/>
+        </p:spPr>
+        <p:txBody>
+          <a:bodyPr wrap="none" rtlCol="0">
+            <a:spAutoFit/>
+          </a:bodyPr>
+          <a:lstStyle/>
+          <a:p>
+            <a:r>
+              <a:rPr lang="hu-HU" sz="2800" dirty="0" smtClean="0">
+                <a:solidFill>
+                  <a:schemeClr val="bg1"/>
+                </a:solidFill>
+                <a:latin typeface="Courier New" panose="02070309020205020404" pitchFamily="49" charset="0"/>
+                <a:cs typeface="Courier New" panose="02070309020205020404" pitchFamily="49" charset="0"/>
+              </a:rPr>
+              <a:t>100 ugrás</a:t>
+            </a:r>
+            <a:endParaRPr lang="hu-HU" sz="2800" dirty="0">
+              <a:solidFill>
+                <a:schemeClr val="bg1"/>
+              </a:solidFill>
+              <a:latin typeface="Courier New" panose="02070309020205020404" pitchFamily="49" charset="0"/>
+              <a:cs typeface="Courier New" panose="02070309020205020404" pitchFamily="49" charset="0"/>
+            </a:endParaRPr>
+          </a:p>
+        </p:txBody>
+      </p:sp>
+      <p:cxnSp>
+        <p:nvCxnSpPr>
+          <p:cNvPr id="58" name="Egyenes összekötő nyíllal 57"/>
+          <p:cNvCxnSpPr/>
+          <p:nvPr/>
+        </p:nvCxnSpPr>
+        <p:spPr>
+          <a:xfrm flipV="1">
+            <a:off x="4746300" y="4888236"/>
+            <a:ext cx="793991" cy="842"/>
+          </a:xfrm>
+          <a:prstGeom prst="straightConnector1">
+            <a:avLst/>
+          </a:prstGeom>
+          <a:ln w="38100">
+            <a:solidFill>
+              <a:schemeClr val="bg1"/>
+            </a:solidFill>
+            <a:tailEnd type="triangle"/>
+          </a:ln>
+        </p:spPr>
+        <p:style>
+          <a:lnRef idx="1">
+            <a:schemeClr val="accent1"/>
+          </a:lnRef>
+          <a:fillRef idx="0">
+            <a:schemeClr val="accent1"/>
+          </a:fillRef>
+          <a:effectRef idx="0">
+            <a:schemeClr val="accent1"/>
+          </a:effectRef>
+          <a:fontRef idx="minor">
+            <a:schemeClr val="tx1"/>
+          </a:fontRef>
+        </p:style>
+      </p:cxnSp>
+      <p:cxnSp>
+        <p:nvCxnSpPr>
+          <p:cNvPr id="62" name="Egyenes összekötő nyíllal 61"/>
+          <p:cNvCxnSpPr/>
+          <p:nvPr/>
+        </p:nvCxnSpPr>
+        <p:spPr>
+          <a:xfrm flipV="1">
+            <a:off x="4730516" y="5399736"/>
+            <a:ext cx="793991" cy="842"/>
+          </a:xfrm>
+          <a:prstGeom prst="straightConnector1">
+            <a:avLst/>
+          </a:prstGeom>
+          <a:ln w="38100">
+            <a:solidFill>
+              <a:schemeClr val="bg1"/>
+            </a:solidFill>
+            <a:tailEnd type="triangle"/>
+          </a:ln>
+        </p:spPr>
+        <p:style>
+          <a:lnRef idx="1">
+            <a:schemeClr val="accent1"/>
+          </a:lnRef>
+          <a:fillRef idx="0">
+            <a:schemeClr val="accent1"/>
+          </a:fillRef>
+          <a:effectRef idx="0">
+            <a:schemeClr val="accent1"/>
+          </a:effectRef>
+          <a:fontRef idx="minor">
+            <a:schemeClr val="tx1"/>
+          </a:fontRef>
+        </p:style>
+      </p:cxnSp>
+      <p:cxnSp>
+        <p:nvCxnSpPr>
+          <p:cNvPr id="63" name="Egyenes összekötő nyíllal 62"/>
+          <p:cNvCxnSpPr/>
+          <p:nvPr/>
+        </p:nvCxnSpPr>
+        <p:spPr>
+          <a:xfrm flipV="1">
+            <a:off x="4713909" y="5968082"/>
+            <a:ext cx="793991" cy="842"/>
+          </a:xfrm>
+          <a:prstGeom prst="straightConnector1">
+            <a:avLst/>
+          </a:prstGeom>
+          <a:ln w="38100">
+            <a:solidFill>
+              <a:schemeClr val="bg1"/>
+            </a:solidFill>
+            <a:tailEnd type="triangle"/>
+          </a:ln>
+        </p:spPr>
+        <p:style>
+          <a:lnRef idx="1">
+            <a:schemeClr val="accent1"/>
+          </a:lnRef>
+          <a:fillRef idx="0">
+            <a:schemeClr val="accent1"/>
+          </a:fillRef>
+          <a:effectRef idx="0">
+            <a:schemeClr val="accent1"/>
+          </a:effectRef>
+          <a:fontRef idx="minor">
+            <a:schemeClr val="tx1"/>
+          </a:fontRef>
+        </p:style>
+      </p:cxnSp>
+    </p:spTree>
+    <p:extLst>
+      <p:ext uri="{BB962C8B-B14F-4D97-AF65-F5344CB8AC3E}">
+        <p14:creationId xmlns:p14="http://schemas.microsoft.com/office/powerpoint/2010/main" val="1120929278"/>
+      </p:ext>
+    </p:extLst>
+  </p:cSld>
+  <p:clrMapOvr>
+    <a:masterClrMapping/>
+  </p:clrMapOvr>
+</p:sld>
+</file>
+
+<file path=ppt/slides/slide5.xml><?xml version="1.0" encoding="utf-8"?>
+<p:sld xmlns:a="http://schemas.openxmlformats.org/drawingml/2006/main" xmlns:r="http://schemas.openxmlformats.org/officeDocument/2006/relationships" xmlns:p="http://schemas.openxmlformats.org/presentationml/2006/main">
+  <p:cSld>
+    <p:spTree>
+      <p:nvGrpSpPr>
+        <p:cNvPr id="1" name=""/>
+        <p:cNvGrpSpPr/>
+        <p:nvPr/>
+      </p:nvGrpSpPr>
+      <p:grpSpPr>
+        <a:xfrm>
+          <a:off x="0" y="0"/>
+          <a:ext cx="0" cy="0"/>
+          <a:chOff x="0" y="0"/>
+          <a:chExt cx="0" cy="0"/>
+        </a:xfrm>
+      </p:grpSpPr>
+      <p:sp>
+        <p:nvSpPr>
+          <p:cNvPr id="4" name="Téglalap 3"/>
+          <p:cNvSpPr/>
+          <p:nvPr/>
+        </p:nvSpPr>
+        <p:spPr>
+          <a:xfrm>
+            <a:off x="2113659" y="331675"/>
+            <a:ext cx="7788926" cy="5971142"/>
+          </a:xfrm>
+          <a:prstGeom prst="rect">
+            <a:avLst/>
+          </a:prstGeom>
+          <a:solidFill>
+            <a:schemeClr val="tx1"/>
+          </a:solidFill>
+          <a:ln>
+            <a:noFill/>
+          </a:ln>
+        </p:spPr>
+        <p:style>
+          <a:lnRef idx="2">
+            <a:schemeClr val="accent1">
+              <a:shade val="50000"/>
+            </a:schemeClr>
+          </a:lnRef>
+          <a:fillRef idx="1">
+            <a:schemeClr val="accent1"/>
+          </a:fillRef>
+          <a:effectRef idx="0">
+            <a:schemeClr val="accent1"/>
+          </a:effectRef>
+          <a:fontRef idx="minor">
+            <a:schemeClr val="lt1"/>
+          </a:fontRef>
+        </p:style>
+        <p:txBody>
+          <a:bodyPr rtlCol="0" anchor="ctr"/>
+          <a:lstStyle/>
+          <a:p>
+            <a:pPr algn="ctr"/>
+            <a:endParaRPr lang="hu-HU" dirty="0"/>
+          </a:p>
+        </p:txBody>
+      </p:sp>
+      <p:sp>
+        <p:nvSpPr>
+          <p:cNvPr id="2" name="Ellipszis 1"/>
+          <p:cNvSpPr/>
+          <p:nvPr/>
+        </p:nvSpPr>
+        <p:spPr>
+          <a:xfrm>
+            <a:off x="5585551" y="2869893"/>
+            <a:ext cx="870333" cy="870333"/>
+          </a:xfrm>
+          <a:prstGeom prst="ellipse">
+            <a:avLst/>
+          </a:prstGeom>
+          <a:solidFill>
+            <a:srgbClr val="FF0000"/>
+          </a:solidFill>
+          <a:ln>
+            <a:noFill/>
+          </a:ln>
+        </p:spPr>
+        <p:style>
+          <a:lnRef idx="2">
+            <a:schemeClr val="accent1">
+              <a:shade val="50000"/>
+            </a:schemeClr>
+          </a:lnRef>
+          <a:fillRef idx="1">
+            <a:schemeClr val="accent1"/>
+          </a:fillRef>
+          <a:effectRef idx="0">
+            <a:schemeClr val="accent1"/>
+          </a:effectRef>
+          <a:fontRef idx="minor">
+            <a:schemeClr val="lt1"/>
+          </a:fontRef>
+        </p:style>
+        <p:txBody>
+          <a:bodyPr rtlCol="0" anchor="ctr"/>
+          <a:lstStyle/>
+          <a:p>
+            <a:pPr algn="ctr"/>
+            <a:endParaRPr lang="hu-HU"/>
+          </a:p>
+        </p:txBody>
+      </p:sp>
+      <p:sp>
+        <p:nvSpPr>
+          <p:cNvPr id="3" name="Ellipszis 2"/>
+          <p:cNvSpPr/>
+          <p:nvPr/>
+        </p:nvSpPr>
+        <p:spPr>
+          <a:xfrm>
+            <a:off x="7105878" y="1388124"/>
+            <a:ext cx="539827" cy="539827"/>
+          </a:xfrm>
+          <a:prstGeom prst="ellipse">
+            <a:avLst/>
+          </a:prstGeom>
+          <a:solidFill>
+            <a:srgbClr val="FF0000"/>
+          </a:solidFill>
+          <a:ln>
+            <a:noFill/>
+          </a:ln>
+        </p:spPr>
+        <p:style>
+          <a:lnRef idx="2">
+            <a:schemeClr val="accent1">
+              <a:shade val="50000"/>
+            </a:schemeClr>
+          </a:lnRef>
+          <a:fillRef idx="1">
+            <a:schemeClr val="accent1"/>
+          </a:fillRef>
+          <a:effectRef idx="0">
+            <a:schemeClr val="accent1"/>
+          </a:effectRef>
+          <a:fontRef idx="minor">
+            <a:schemeClr val="lt1"/>
+          </a:fontRef>
+        </p:style>
+        <p:txBody>
+          <a:bodyPr rtlCol="0" anchor="ctr"/>
+          <a:lstStyle/>
+          <a:p>
+            <a:pPr algn="ctr"/>
+            <a:endParaRPr lang="hu-HU"/>
+          </a:p>
+        </p:txBody>
+      </p:sp>
+      <p:cxnSp>
+        <p:nvCxnSpPr>
+          <p:cNvPr id="6" name="Egyenes összekötő 5"/>
+          <p:cNvCxnSpPr/>
+          <p:nvPr/>
+        </p:nvCxnSpPr>
+        <p:spPr>
+          <a:xfrm>
+            <a:off x="2126255" y="143219"/>
+            <a:ext cx="0" cy="6389783"/>
+          </a:xfrm>
+          <a:prstGeom prst="line">
+            <a:avLst/>
+          </a:prstGeom>
+          <a:ln w="38100">
+            <a:solidFill>
+              <a:srgbClr val="00B0F0"/>
+            </a:solidFill>
+          </a:ln>
+        </p:spPr>
+        <p:style>
+          <a:lnRef idx="1">
+            <a:schemeClr val="accent1"/>
+          </a:lnRef>
+          <a:fillRef idx="0">
+            <a:schemeClr val="accent1"/>
+          </a:fillRef>
+          <a:effectRef idx="0">
+            <a:schemeClr val="accent1"/>
+          </a:effectRef>
+          <a:fontRef idx="minor">
+            <a:schemeClr val="tx1"/>
+          </a:fontRef>
+        </p:style>
+      </p:cxnSp>
+      <p:cxnSp>
+        <p:nvCxnSpPr>
+          <p:cNvPr id="8" name="Egyenes összekötő 7"/>
+          <p:cNvCxnSpPr/>
+          <p:nvPr/>
+        </p:nvCxnSpPr>
+        <p:spPr>
+          <a:xfrm>
+            <a:off x="1949986" y="319489"/>
+            <a:ext cx="8714342" cy="0"/>
+          </a:xfrm>
+          <a:prstGeom prst="line">
+            <a:avLst/>
+          </a:prstGeom>
+          <a:ln w="28575">
+            <a:solidFill>
+              <a:srgbClr val="00B0F0"/>
+            </a:solidFill>
+          </a:ln>
+        </p:spPr>
+        <p:style>
+          <a:lnRef idx="1">
+            <a:schemeClr val="accent1"/>
+          </a:lnRef>
+          <a:fillRef idx="0">
+            <a:schemeClr val="accent1"/>
+          </a:fillRef>
+          <a:effectRef idx="0">
+            <a:schemeClr val="accent1"/>
+          </a:effectRef>
+          <a:fontRef idx="minor">
+            <a:schemeClr val="tx1"/>
+          </a:fontRef>
+        </p:style>
+      </p:cxnSp>
+      <p:sp>
+        <p:nvSpPr>
+          <p:cNvPr id="10" name="Szövegdoboz 9"/>
+          <p:cNvSpPr txBox="1"/>
+          <p:nvPr/>
+        </p:nvSpPr>
+        <p:spPr>
+          <a:xfrm>
+            <a:off x="2126254" y="319488"/>
+            <a:ext cx="598241" cy="369332"/>
+          </a:xfrm>
+          <a:prstGeom prst="rect">
+            <a:avLst/>
+          </a:prstGeom>
+          <a:noFill/>
+        </p:spPr>
+        <p:txBody>
+          <a:bodyPr wrap="none" rtlCol="0">
+            <a:spAutoFit/>
+          </a:bodyPr>
+          <a:lstStyle/>
+          <a:p>
+            <a:r>
+              <a:rPr lang="hu-HU" dirty="0" smtClean="0">
+                <a:solidFill>
+                  <a:schemeClr val="bg1"/>
+                </a:solidFill>
+                <a:latin typeface="Courier New" panose="02070309020205020404" pitchFamily="49" charset="0"/>
+                <a:cs typeface="Courier New" panose="02070309020205020404" pitchFamily="49" charset="0"/>
+              </a:rPr>
+              <a:t>0,0</a:t>
+            </a:r>
+            <a:endParaRPr lang="hu-HU" dirty="0">
+              <a:solidFill>
+                <a:schemeClr val="bg1"/>
+              </a:solidFill>
+              <a:latin typeface="Courier New" panose="02070309020205020404" pitchFamily="49" charset="0"/>
+              <a:cs typeface="Courier New" panose="02070309020205020404" pitchFamily="49" charset="0"/>
+            </a:endParaRPr>
+          </a:p>
+        </p:txBody>
+      </p:sp>
+      <p:sp>
+        <p:nvSpPr>
+          <p:cNvPr id="11" name="Szövegdoboz 10"/>
+          <p:cNvSpPr txBox="1"/>
+          <p:nvPr/>
+        </p:nvSpPr>
+        <p:spPr>
+          <a:xfrm>
+            <a:off x="8521546" y="5857819"/>
+            <a:ext cx="1287532" cy="369332"/>
+          </a:xfrm>
+          <a:prstGeom prst="rect">
+            <a:avLst/>
+          </a:prstGeom>
+          <a:noFill/>
+        </p:spPr>
+        <p:txBody>
+          <a:bodyPr wrap="none" rtlCol="0">
+            <a:spAutoFit/>
+          </a:bodyPr>
+          <a:lstStyle/>
+          <a:p>
+            <a:r>
+              <a:rPr lang="hu-HU" dirty="0">
+                <a:solidFill>
+                  <a:schemeClr val="bg1"/>
+                </a:solidFill>
+                <a:latin typeface="Courier New" panose="02070309020205020404" pitchFamily="49" charset="0"/>
+                <a:cs typeface="Courier New" panose="02070309020205020404" pitchFamily="49" charset="0"/>
+              </a:rPr>
+              <a:t>8</a:t>
+            </a:r>
+            <a:r>
+              <a:rPr lang="hu-HU" dirty="0" smtClean="0">
+                <a:solidFill>
+                  <a:schemeClr val="bg1"/>
+                </a:solidFill>
+                <a:latin typeface="Courier New" panose="02070309020205020404" pitchFamily="49" charset="0"/>
+                <a:cs typeface="Courier New" panose="02070309020205020404" pitchFamily="49" charset="0"/>
+              </a:rPr>
+              <a:t>00, 600</a:t>
+            </a:r>
+            <a:endParaRPr lang="hu-HU" dirty="0">
+              <a:solidFill>
+                <a:schemeClr val="bg1"/>
+              </a:solidFill>
+              <a:latin typeface="Courier New" panose="02070309020205020404" pitchFamily="49" charset="0"/>
+              <a:cs typeface="Courier New" panose="02070309020205020404" pitchFamily="49" charset="0"/>
+            </a:endParaRPr>
+          </a:p>
+        </p:txBody>
+      </p:sp>
+      <p:sp>
+        <p:nvSpPr>
+          <p:cNvPr id="12" name="Ellipszis 11"/>
+          <p:cNvSpPr/>
+          <p:nvPr/>
+        </p:nvSpPr>
+        <p:spPr>
+          <a:xfrm>
+            <a:off x="5976383" y="3274631"/>
+            <a:ext cx="63479" cy="63479"/>
+          </a:xfrm>
+          <a:prstGeom prst="ellipse">
+            <a:avLst/>
+          </a:prstGeom>
+          <a:solidFill>
+            <a:schemeClr val="bg1"/>
+          </a:solidFill>
+          <a:ln>
+            <a:noFill/>
+          </a:ln>
+        </p:spPr>
+        <p:style>
+          <a:lnRef idx="2">
+            <a:schemeClr val="accent1">
+              <a:shade val="50000"/>
+            </a:schemeClr>
+          </a:lnRef>
+          <a:fillRef idx="1">
+            <a:schemeClr val="accent1"/>
+          </a:fillRef>
+          <a:effectRef idx="0">
+            <a:schemeClr val="accent1"/>
+          </a:effectRef>
+          <a:fontRef idx="minor">
+            <a:schemeClr val="lt1"/>
+          </a:fontRef>
+        </p:style>
+        <p:txBody>
+          <a:bodyPr rtlCol="0" anchor="ctr"/>
+          <a:lstStyle/>
+          <a:p>
+            <a:pPr algn="ctr"/>
+            <a:r>
+              <a:rPr lang="hu-HU" dirty="0" smtClean="0"/>
+              <a:t> </a:t>
+            </a:r>
+            <a:endParaRPr lang="hu-HU" dirty="0"/>
+          </a:p>
+        </p:txBody>
+      </p:sp>
+      <p:sp>
+        <p:nvSpPr>
+          <p:cNvPr id="13" name="Szövegdoboz 12"/>
+          <p:cNvSpPr txBox="1"/>
+          <p:nvPr/>
+        </p:nvSpPr>
+        <p:spPr>
+          <a:xfrm>
+            <a:off x="6130425" y="1285886"/>
+            <a:ext cx="1425390" cy="369332"/>
+          </a:xfrm>
+          <a:prstGeom prst="rect">
+            <a:avLst/>
+          </a:prstGeom>
+          <a:noFill/>
+        </p:spPr>
+        <p:txBody>
+          <a:bodyPr wrap="none" rtlCol="0">
+            <a:spAutoFit/>
+          </a:bodyPr>
+          <a:lstStyle/>
+          <a:p>
+            <a:r>
+              <a:rPr lang="hu-HU" dirty="0" smtClean="0">
+                <a:solidFill>
+                  <a:schemeClr val="bg1"/>
+                </a:solidFill>
+                <a:latin typeface="Courier New" panose="02070309020205020404" pitchFamily="49" charset="0"/>
+                <a:cs typeface="Courier New" panose="02070309020205020404" pitchFamily="49" charset="0"/>
+              </a:rPr>
+              <a:t>(640,125)</a:t>
+            </a:r>
+            <a:endParaRPr lang="hu-HU" dirty="0">
+              <a:solidFill>
+                <a:schemeClr val="bg1"/>
+              </a:solidFill>
+              <a:latin typeface="Courier New" panose="02070309020205020404" pitchFamily="49" charset="0"/>
+              <a:cs typeface="Courier New" panose="02070309020205020404" pitchFamily="49" charset="0"/>
+            </a:endParaRPr>
+          </a:p>
+        </p:txBody>
+      </p:sp>
+      <p:sp>
+        <p:nvSpPr>
+          <p:cNvPr id="14" name="Ellipszis 13"/>
+          <p:cNvSpPr/>
+          <p:nvPr/>
+        </p:nvSpPr>
+        <p:spPr>
+          <a:xfrm>
+            <a:off x="7343462" y="1623479"/>
+            <a:ext cx="63479" cy="63479"/>
+          </a:xfrm>
+          <a:prstGeom prst="ellipse">
+            <a:avLst/>
+          </a:prstGeom>
+          <a:solidFill>
+            <a:schemeClr val="bg1"/>
+          </a:solidFill>
+          <a:ln>
+            <a:noFill/>
+          </a:ln>
+        </p:spPr>
+        <p:style>
+          <a:lnRef idx="2">
+            <a:schemeClr val="accent1">
+              <a:shade val="50000"/>
+            </a:schemeClr>
+          </a:lnRef>
+          <a:fillRef idx="1">
+            <a:schemeClr val="accent1"/>
+          </a:fillRef>
+          <a:effectRef idx="0">
+            <a:schemeClr val="accent1"/>
+          </a:effectRef>
+          <a:fontRef idx="minor">
+            <a:schemeClr val="lt1"/>
+          </a:fontRef>
+        </p:style>
+        <p:txBody>
+          <a:bodyPr rtlCol="0" anchor="ctr"/>
+          <a:lstStyle/>
+          <a:p>
+            <a:pPr algn="ctr"/>
+            <a:r>
+              <a:rPr lang="hu-HU" dirty="0" smtClean="0"/>
+              <a:t> </a:t>
+            </a:r>
+            <a:endParaRPr lang="hu-HU" dirty="0"/>
+          </a:p>
+        </p:txBody>
+      </p:sp>
+      <p:cxnSp>
+        <p:nvCxnSpPr>
+          <p:cNvPr id="16" name="Egyenes összekötő nyíllal 15"/>
+          <p:cNvCxnSpPr>
+            <a:stCxn id="14" idx="3"/>
+            <a:endCxn id="12" idx="2"/>
+          </p:cNvCxnSpPr>
+          <p:nvPr/>
+        </p:nvCxnSpPr>
+        <p:spPr>
+          <a:xfrm flipH="1">
+            <a:off x="5976383" y="1677662"/>
+            <a:ext cx="1376375" cy="1628709"/>
+          </a:xfrm>
+          <a:prstGeom prst="straightConnector1">
+            <a:avLst/>
+          </a:prstGeom>
+          <a:ln w="76200">
+            <a:solidFill>
+              <a:schemeClr val="accent4">
+                <a:lumMod val="60000"/>
+                <a:lumOff val="40000"/>
+              </a:schemeClr>
+            </a:solidFill>
+            <a:tailEnd type="triangle"/>
+          </a:ln>
+        </p:spPr>
+        <p:style>
+          <a:lnRef idx="1">
+            <a:schemeClr val="accent1"/>
+          </a:lnRef>
+          <a:fillRef idx="0">
+            <a:schemeClr val="accent1"/>
+          </a:fillRef>
+          <a:effectRef idx="0">
+            <a:schemeClr val="accent1"/>
+          </a:effectRef>
+          <a:fontRef idx="minor">
+            <a:schemeClr val="tx1"/>
+          </a:fontRef>
+        </p:style>
+      </p:cxnSp>
+      <p:sp>
+        <p:nvSpPr>
+          <p:cNvPr id="46" name="Szövegdoboz 45"/>
+          <p:cNvSpPr txBox="1"/>
+          <p:nvPr/>
+        </p:nvSpPr>
+        <p:spPr>
+          <a:xfrm>
+            <a:off x="4392968" y="3262993"/>
+            <a:ext cx="1563248" cy="369332"/>
+          </a:xfrm>
+          <a:prstGeom prst="rect">
+            <a:avLst/>
+          </a:prstGeom>
+          <a:noFill/>
+        </p:spPr>
+        <p:txBody>
+          <a:bodyPr wrap="none" rtlCol="0">
+            <a:spAutoFit/>
+          </a:bodyPr>
+          <a:lstStyle/>
+          <a:p>
+            <a:r>
+              <a:rPr lang="hu-HU" dirty="0" smtClean="0">
+                <a:solidFill>
+                  <a:schemeClr val="bg1"/>
+                </a:solidFill>
+                <a:latin typeface="Courier New" panose="02070309020205020404" pitchFamily="49" charset="0"/>
+                <a:cs typeface="Courier New" panose="02070309020205020404" pitchFamily="49" charset="0"/>
+              </a:rPr>
+              <a:t>(400, 300)</a:t>
+            </a:r>
+            <a:endParaRPr lang="hu-HU" dirty="0">
+              <a:solidFill>
+                <a:schemeClr val="bg1"/>
+              </a:solidFill>
+              <a:latin typeface="Courier New" panose="02070309020205020404" pitchFamily="49" charset="0"/>
+              <a:cs typeface="Courier New" panose="02070309020205020404" pitchFamily="49" charset="0"/>
+            </a:endParaRPr>
+          </a:p>
+        </p:txBody>
+      </p:sp>
+      <p:sp>
+        <p:nvSpPr>
+          <p:cNvPr id="54" name="Szövegdoboz 53"/>
+          <p:cNvSpPr txBox="1"/>
+          <p:nvPr/>
+        </p:nvSpPr>
+        <p:spPr>
+          <a:xfrm>
+            <a:off x="6972089" y="2359470"/>
+            <a:ext cx="2332690" cy="523220"/>
+          </a:xfrm>
+          <a:prstGeom prst="rect">
+            <a:avLst/>
+          </a:prstGeom>
+          <a:noFill/>
+        </p:spPr>
+        <p:txBody>
+          <a:bodyPr wrap="none" rtlCol="0">
+            <a:spAutoFit/>
+          </a:bodyPr>
+          <a:lstStyle/>
+          <a:p>
+            <a:r>
+              <a:rPr lang="hu-HU" sz="2800" dirty="0" smtClean="0">
+                <a:solidFill>
+                  <a:schemeClr val="bg1"/>
+                </a:solidFill>
+                <a:latin typeface="Courier New" panose="02070309020205020404" pitchFamily="49" charset="0"/>
+                <a:cs typeface="Courier New" panose="02070309020205020404" pitchFamily="49" charset="0"/>
+              </a:rPr>
+              <a:t>(-2.4,.75)</a:t>
+            </a:r>
+            <a:endParaRPr lang="hu-HU" sz="2800" dirty="0">
+              <a:solidFill>
+                <a:schemeClr val="bg1"/>
+              </a:solidFill>
+              <a:latin typeface="Courier New" panose="02070309020205020404" pitchFamily="49" charset="0"/>
+              <a:cs typeface="Courier New" panose="02070309020205020404" pitchFamily="49" charset="0"/>
+            </a:endParaRPr>
+          </a:p>
+        </p:txBody>
+      </p:sp>
+      <p:sp>
+        <p:nvSpPr>
+          <p:cNvPr id="47" name="Ellipszis 46"/>
+          <p:cNvSpPr/>
+          <p:nvPr/>
+        </p:nvSpPr>
+        <p:spPr>
+          <a:xfrm>
+            <a:off x="2955103" y="746059"/>
+            <a:ext cx="539827" cy="539827"/>
+          </a:xfrm>
+          <a:prstGeom prst="ellipse">
+            <a:avLst/>
+          </a:prstGeom>
+          <a:solidFill>
+            <a:srgbClr val="FF0000"/>
+          </a:solidFill>
+          <a:ln>
+            <a:noFill/>
+          </a:ln>
+        </p:spPr>
+        <p:style>
+          <a:lnRef idx="2">
+            <a:schemeClr val="accent1">
+              <a:shade val="50000"/>
+            </a:schemeClr>
+          </a:lnRef>
+          <a:fillRef idx="1">
+            <a:schemeClr val="accent1"/>
+          </a:fillRef>
+          <a:effectRef idx="0">
+            <a:schemeClr val="accent1"/>
+          </a:effectRef>
+          <a:fontRef idx="minor">
+            <a:schemeClr val="lt1"/>
+          </a:fontRef>
+        </p:style>
+        <p:txBody>
+          <a:bodyPr rtlCol="0" anchor="ctr"/>
+          <a:lstStyle/>
+          <a:p>
+            <a:pPr algn="ctr"/>
+            <a:endParaRPr lang="hu-HU"/>
+          </a:p>
+        </p:txBody>
+      </p:sp>
+      <p:sp>
+        <p:nvSpPr>
+          <p:cNvPr id="49" name="Szövegdoboz 48"/>
+          <p:cNvSpPr txBox="1"/>
+          <p:nvPr/>
+        </p:nvSpPr>
+        <p:spPr>
+          <a:xfrm>
+            <a:off x="1979650" y="643821"/>
+            <a:ext cx="1149674" cy="369332"/>
+          </a:xfrm>
+          <a:prstGeom prst="rect">
+            <a:avLst/>
+          </a:prstGeom>
+          <a:noFill/>
+        </p:spPr>
+        <p:txBody>
+          <a:bodyPr wrap="none" rtlCol="0">
+            <a:spAutoFit/>
+          </a:bodyPr>
+          <a:lstStyle/>
+          <a:p>
+            <a:r>
+              <a:rPr lang="hu-HU" dirty="0" smtClean="0">
+                <a:solidFill>
+                  <a:schemeClr val="bg1"/>
+                </a:solidFill>
+                <a:latin typeface="Courier New" panose="02070309020205020404" pitchFamily="49" charset="0"/>
+                <a:cs typeface="Courier New" panose="02070309020205020404" pitchFamily="49" charset="0"/>
+              </a:rPr>
+              <a:t>(40,65)</a:t>
+            </a:r>
+            <a:endParaRPr lang="hu-HU" dirty="0">
+              <a:solidFill>
+                <a:schemeClr val="bg1"/>
+              </a:solidFill>
+              <a:latin typeface="Courier New" panose="02070309020205020404" pitchFamily="49" charset="0"/>
+              <a:cs typeface="Courier New" panose="02070309020205020404" pitchFamily="49" charset="0"/>
+            </a:endParaRPr>
+          </a:p>
+        </p:txBody>
+      </p:sp>
+      <p:sp>
+        <p:nvSpPr>
+          <p:cNvPr id="56" name="Ellipszis 55"/>
+          <p:cNvSpPr/>
+          <p:nvPr/>
+        </p:nvSpPr>
+        <p:spPr>
+          <a:xfrm>
+            <a:off x="3192687" y="981414"/>
+            <a:ext cx="63479" cy="63479"/>
+          </a:xfrm>
+          <a:prstGeom prst="ellipse">
+            <a:avLst/>
+          </a:prstGeom>
+          <a:solidFill>
+            <a:schemeClr val="bg1"/>
+          </a:solidFill>
+          <a:ln>
+            <a:noFill/>
+          </a:ln>
+        </p:spPr>
+        <p:style>
+          <a:lnRef idx="2">
+            <a:schemeClr val="accent1">
+              <a:shade val="50000"/>
+            </a:schemeClr>
+          </a:lnRef>
+          <a:fillRef idx="1">
+            <a:schemeClr val="accent1"/>
+          </a:fillRef>
+          <a:effectRef idx="0">
+            <a:schemeClr val="accent1"/>
+          </a:effectRef>
+          <a:fontRef idx="minor">
+            <a:schemeClr val="lt1"/>
+          </a:fontRef>
+        </p:style>
+        <p:txBody>
+          <a:bodyPr rtlCol="0" anchor="ctr"/>
+          <a:lstStyle/>
+          <a:p>
+            <a:pPr algn="ctr"/>
+            <a:r>
+              <a:rPr lang="hu-HU" dirty="0" smtClean="0"/>
+              <a:t> </a:t>
+            </a:r>
+            <a:endParaRPr lang="hu-HU" dirty="0"/>
+          </a:p>
+        </p:txBody>
+      </p:sp>
+      <p:cxnSp>
+        <p:nvCxnSpPr>
+          <p:cNvPr id="57" name="Egyenes összekötő nyíllal 56"/>
+          <p:cNvCxnSpPr>
+            <a:stCxn id="56" idx="4"/>
+            <a:endCxn id="12" idx="1"/>
+          </p:cNvCxnSpPr>
+          <p:nvPr/>
+        </p:nvCxnSpPr>
+        <p:spPr>
+          <a:xfrm>
+            <a:off x="3224427" y="1044893"/>
+            <a:ext cx="2761252" cy="2239034"/>
+          </a:xfrm>
+          <a:prstGeom prst="straightConnector1">
+            <a:avLst/>
+          </a:prstGeom>
+          <a:ln w="76200">
+            <a:solidFill>
+              <a:schemeClr val="accent4">
+                <a:lumMod val="60000"/>
+                <a:lumOff val="40000"/>
+              </a:schemeClr>
+            </a:solidFill>
+            <a:tailEnd type="triangle"/>
+          </a:ln>
+        </p:spPr>
+        <p:style>
+          <a:lnRef idx="1">
+            <a:schemeClr val="accent1"/>
+          </a:lnRef>
+          <a:fillRef idx="0">
+            <a:schemeClr val="accent1"/>
+          </a:fillRef>
+          <a:effectRef idx="0">
+            <a:schemeClr val="accent1"/>
+          </a:effectRef>
+          <a:fontRef idx="minor">
+            <a:schemeClr val="tx1"/>
+          </a:fontRef>
+        </p:style>
+      </p:cxnSp>
+      <p:sp>
+        <p:nvSpPr>
+          <p:cNvPr id="59" name="Szövegdoboz 58"/>
+          <p:cNvSpPr txBox="1"/>
+          <p:nvPr/>
+        </p:nvSpPr>
+        <p:spPr>
+          <a:xfrm>
+            <a:off x="2260211" y="1968796"/>
+            <a:ext cx="2332690" cy="523220"/>
+          </a:xfrm>
+          <a:prstGeom prst="rect">
+            <a:avLst/>
+          </a:prstGeom>
+          <a:noFill/>
+        </p:spPr>
+        <p:txBody>
+          <a:bodyPr wrap="none" rtlCol="0">
+            <a:spAutoFit/>
+          </a:bodyPr>
+          <a:lstStyle/>
+          <a:p>
+            <a:r>
+              <a:rPr lang="hu-HU" sz="2800" dirty="0" smtClean="0">
+                <a:solidFill>
+                  <a:schemeClr val="bg1"/>
+                </a:solidFill>
+                <a:latin typeface="Courier New" panose="02070309020205020404" pitchFamily="49" charset="0"/>
+                <a:cs typeface="Courier New" panose="02070309020205020404" pitchFamily="49" charset="0"/>
+              </a:rPr>
+              <a:t>(3.6,2.35)</a:t>
+            </a:r>
+            <a:endParaRPr lang="hu-HU" sz="2800" dirty="0">
+              <a:solidFill>
+                <a:schemeClr val="bg1"/>
+              </a:solidFill>
+              <a:latin typeface="Courier New" panose="02070309020205020404" pitchFamily="49" charset="0"/>
+              <a:cs typeface="Courier New" panose="02070309020205020404" pitchFamily="49" charset="0"/>
+            </a:endParaRPr>
+          </a:p>
+        </p:txBody>
+      </p:sp>
+    </p:spTree>
+    <p:extLst>
+      <p:ext uri="{BB962C8B-B14F-4D97-AF65-F5344CB8AC3E}">
+        <p14:creationId xmlns:p14="http://schemas.microsoft.com/office/powerpoint/2010/main" val="178933558"/>
+      </p:ext>
+    </p:extLst>
+  </p:cSld>
+  <p:clrMapOvr>
+    <a:masterClrMapping/>
+  </p:clrMapOvr>
+</p:sld>
+</file>
+
 <file path=ppt/theme/theme1.xml><?xml version="1.0" encoding="utf-8"?>
 <a:theme xmlns:a="http://schemas.openxmlformats.org/drawingml/2006/main" name="Office-téma">
   <a:themeElements>
